--- a/docs/workflow.pptx
+++ b/docs/workflow.pptx
@@ -272,7 +272,7 @@
           <a:p>
             <a:fld id="{7A490AB9-77A6-354E-81E5-2CF6F3F8E384}" type="datetimeFigureOut">
               <a:rPr lang="en-DK" smtClean="0"/>
-              <a:t>04/03/2020</a:t>
+              <a:t>06/03/2020</a:t>
             </a:fld>
             <a:endParaRPr lang="en-DK"/>
           </a:p>
@@ -472,7 +472,7 @@
           <a:p>
             <a:fld id="{7A490AB9-77A6-354E-81E5-2CF6F3F8E384}" type="datetimeFigureOut">
               <a:rPr lang="en-DK" smtClean="0"/>
-              <a:t>04/03/2020</a:t>
+              <a:t>06/03/2020</a:t>
             </a:fld>
             <a:endParaRPr lang="en-DK"/>
           </a:p>
@@ -682,7 +682,7 @@
           <a:p>
             <a:fld id="{7A490AB9-77A6-354E-81E5-2CF6F3F8E384}" type="datetimeFigureOut">
               <a:rPr lang="en-DK" smtClean="0"/>
-              <a:t>04/03/2020</a:t>
+              <a:t>06/03/2020</a:t>
             </a:fld>
             <a:endParaRPr lang="en-DK"/>
           </a:p>
@@ -882,7 +882,7 @@
           <a:p>
             <a:fld id="{7A490AB9-77A6-354E-81E5-2CF6F3F8E384}" type="datetimeFigureOut">
               <a:rPr lang="en-DK" smtClean="0"/>
-              <a:t>04/03/2020</a:t>
+              <a:t>06/03/2020</a:t>
             </a:fld>
             <a:endParaRPr lang="en-DK"/>
           </a:p>
@@ -1158,7 +1158,7 @@
           <a:p>
             <a:fld id="{7A490AB9-77A6-354E-81E5-2CF6F3F8E384}" type="datetimeFigureOut">
               <a:rPr lang="en-DK" smtClean="0"/>
-              <a:t>04/03/2020</a:t>
+              <a:t>06/03/2020</a:t>
             </a:fld>
             <a:endParaRPr lang="en-DK"/>
           </a:p>
@@ -1426,7 +1426,7 @@
           <a:p>
             <a:fld id="{7A490AB9-77A6-354E-81E5-2CF6F3F8E384}" type="datetimeFigureOut">
               <a:rPr lang="en-DK" smtClean="0"/>
-              <a:t>04/03/2020</a:t>
+              <a:t>06/03/2020</a:t>
             </a:fld>
             <a:endParaRPr lang="en-DK"/>
           </a:p>
@@ -1841,7 +1841,7 @@
           <a:p>
             <a:fld id="{7A490AB9-77A6-354E-81E5-2CF6F3F8E384}" type="datetimeFigureOut">
               <a:rPr lang="en-DK" smtClean="0"/>
-              <a:t>04/03/2020</a:t>
+              <a:t>06/03/2020</a:t>
             </a:fld>
             <a:endParaRPr lang="en-DK"/>
           </a:p>
@@ -1983,7 +1983,7 @@
           <a:p>
             <a:fld id="{7A490AB9-77A6-354E-81E5-2CF6F3F8E384}" type="datetimeFigureOut">
               <a:rPr lang="en-DK" smtClean="0"/>
-              <a:t>04/03/2020</a:t>
+              <a:t>06/03/2020</a:t>
             </a:fld>
             <a:endParaRPr lang="en-DK"/>
           </a:p>
@@ -2096,7 +2096,7 @@
           <a:p>
             <a:fld id="{7A490AB9-77A6-354E-81E5-2CF6F3F8E384}" type="datetimeFigureOut">
               <a:rPr lang="en-DK" smtClean="0"/>
-              <a:t>04/03/2020</a:t>
+              <a:t>06/03/2020</a:t>
             </a:fld>
             <a:endParaRPr lang="en-DK"/>
           </a:p>
@@ -2409,7 +2409,7 @@
           <a:p>
             <a:fld id="{7A490AB9-77A6-354E-81E5-2CF6F3F8E384}" type="datetimeFigureOut">
               <a:rPr lang="en-DK" smtClean="0"/>
-              <a:t>04/03/2020</a:t>
+              <a:t>06/03/2020</a:t>
             </a:fld>
             <a:endParaRPr lang="en-DK"/>
           </a:p>
@@ -2698,7 +2698,7 @@
           <a:p>
             <a:fld id="{7A490AB9-77A6-354E-81E5-2CF6F3F8E384}" type="datetimeFigureOut">
               <a:rPr lang="en-DK" smtClean="0"/>
-              <a:t>04/03/2020</a:t>
+              <a:t>06/03/2020</a:t>
             </a:fld>
             <a:endParaRPr lang="en-DK"/>
           </a:p>
@@ -2941,7 +2941,7 @@
           <a:p>
             <a:fld id="{7A490AB9-77A6-354E-81E5-2CF6F3F8E384}" type="datetimeFigureOut">
               <a:rPr lang="en-DK" smtClean="0"/>
-              <a:t>04/03/2020</a:t>
+              <a:t>06/03/2020</a:t>
             </a:fld>
             <a:endParaRPr lang="en-DK"/>
           </a:p>
@@ -3372,7 +3372,7 @@
         </p:nvSpPr>
         <p:spPr>
           <a:xfrm>
-            <a:off x="893213" y="2765968"/>
+            <a:off x="553519" y="3451473"/>
             <a:ext cx="494915" cy="384898"/>
           </a:xfrm>
           <a:prstGeom prst="rect">
@@ -3421,7 +3421,7 @@
         </p:nvSpPr>
         <p:spPr>
           <a:xfrm>
-            <a:off x="1913186" y="2748488"/>
+            <a:off x="1798491" y="3435077"/>
             <a:ext cx="747146" cy="417689"/>
           </a:xfrm>
           <a:prstGeom prst="rect">
@@ -3470,7 +3470,7 @@
         </p:nvSpPr>
         <p:spPr>
           <a:xfrm>
-            <a:off x="3418557" y="2843566"/>
+            <a:off x="3662448" y="3530155"/>
             <a:ext cx="674887" cy="139220"/>
           </a:xfrm>
           <a:prstGeom prst="rect">
@@ -3516,7 +3516,7 @@
         </p:nvSpPr>
         <p:spPr>
           <a:xfrm>
-            <a:off x="3418557" y="3062517"/>
+            <a:off x="3662448" y="3749106"/>
             <a:ext cx="674887" cy="139220"/>
           </a:xfrm>
           <a:prstGeom prst="rect">
@@ -3562,7 +3562,7 @@
         </p:nvSpPr>
         <p:spPr>
           <a:xfrm>
-            <a:off x="3418557" y="3291116"/>
+            <a:off x="3662448" y="3977705"/>
             <a:ext cx="674887" cy="139220"/>
           </a:xfrm>
           <a:prstGeom prst="rect">
@@ -3608,7 +3608,7 @@
         </p:nvSpPr>
         <p:spPr>
           <a:xfrm>
-            <a:off x="3300993" y="2418808"/>
+            <a:off x="3544884" y="3105397"/>
             <a:ext cx="892348" cy="430887"/>
           </a:xfrm>
           <a:prstGeom prst="rect">
@@ -3644,7 +3644,7 @@
         </p:nvSpPr>
         <p:spPr>
           <a:xfrm>
-            <a:off x="4948603" y="2845449"/>
+            <a:off x="4973233" y="2551804"/>
             <a:ext cx="578730" cy="227836"/>
           </a:xfrm>
           <a:prstGeom prst="rect">
@@ -3693,7 +3693,7 @@
         </p:nvSpPr>
         <p:spPr>
           <a:xfrm>
-            <a:off x="6426062" y="1803158"/>
+            <a:off x="6490447" y="1284786"/>
             <a:ext cx="608762" cy="356454"/>
           </a:xfrm>
           <a:prstGeom prst="rect">
@@ -3742,7 +3742,7 @@
         </p:nvSpPr>
         <p:spPr>
           <a:xfrm>
-            <a:off x="3300992" y="2419228"/>
+            <a:off x="3544883" y="3105817"/>
             <a:ext cx="892347" cy="1076208"/>
           </a:xfrm>
           <a:prstGeom prst="rect">
@@ -3794,7 +3794,7 @@
         </p:nvSpPr>
         <p:spPr>
           <a:xfrm>
-            <a:off x="6397951" y="3099535"/>
+            <a:off x="6708032" y="2560020"/>
             <a:ext cx="674884" cy="68142"/>
           </a:xfrm>
           <a:prstGeom prst="rect">
@@ -3840,7 +3840,7 @@
         </p:nvSpPr>
         <p:spPr>
           <a:xfrm>
-            <a:off x="6397951" y="3214311"/>
+            <a:off x="6708032" y="2674796"/>
             <a:ext cx="674884" cy="68142"/>
           </a:xfrm>
           <a:prstGeom prst="rect">
@@ -3886,7 +3886,7 @@
         </p:nvSpPr>
         <p:spPr>
           <a:xfrm>
-            <a:off x="6397951" y="3338735"/>
+            <a:off x="6708032" y="2799220"/>
             <a:ext cx="674884" cy="68142"/>
           </a:xfrm>
           <a:prstGeom prst="rect">
@@ -3932,7 +3932,7 @@
         </p:nvSpPr>
         <p:spPr>
           <a:xfrm>
-            <a:off x="6284271" y="2663929"/>
+            <a:off x="6594352" y="2124414"/>
             <a:ext cx="892348" cy="430887"/>
           </a:xfrm>
           <a:prstGeom prst="rect">
@@ -3968,7 +3968,7 @@
         </p:nvSpPr>
         <p:spPr>
           <a:xfrm>
-            <a:off x="6284270" y="2660577"/>
+            <a:off x="6594351" y="2121062"/>
             <a:ext cx="892347" cy="1076208"/>
           </a:xfrm>
           <a:prstGeom prst="rect">
@@ -4020,7 +4020,7 @@
         </p:nvSpPr>
         <p:spPr>
           <a:xfrm>
-            <a:off x="6399882" y="3469431"/>
+            <a:off x="6709963" y="2929916"/>
             <a:ext cx="674884" cy="68142"/>
           </a:xfrm>
           <a:prstGeom prst="rect">
@@ -4066,7 +4066,7 @@
         </p:nvSpPr>
         <p:spPr>
           <a:xfrm>
-            <a:off x="6399882" y="3595782"/>
+            <a:off x="6709963" y="3056267"/>
             <a:ext cx="674884" cy="68142"/>
           </a:xfrm>
           <a:prstGeom prst="rect">
@@ -4112,7 +4112,7 @@
         </p:nvSpPr>
         <p:spPr>
           <a:xfrm>
-            <a:off x="6291150" y="4175476"/>
+            <a:off x="6355535" y="3657104"/>
             <a:ext cx="892347" cy="418729"/>
           </a:xfrm>
           <a:prstGeom prst="rect">
@@ -4161,7 +4161,7 @@
         </p:nvSpPr>
         <p:spPr>
           <a:xfrm>
-            <a:off x="7933554" y="3406207"/>
+            <a:off x="7997939" y="2887835"/>
             <a:ext cx="1114806" cy="418729"/>
           </a:xfrm>
           <a:prstGeom prst="rect">
@@ -4210,8 +4210,8 @@
         </p:nvSpPr>
         <p:spPr>
           <a:xfrm>
-            <a:off x="9589214" y="2076873"/>
-            <a:ext cx="632623" cy="255175"/>
+            <a:off x="9689844" y="2559097"/>
+            <a:ext cx="632623" cy="227836"/>
           </a:xfrm>
           <a:prstGeom prst="rect">
             <a:avLst/>
@@ -4261,9 +4261,9 @@
           <p:nvPr/>
         </p:nvCxnSpPr>
         <p:spPr>
-          <a:xfrm flipV="1">
-            <a:off x="1388128" y="2957333"/>
-            <a:ext cx="525058" cy="1084"/>
+          <a:xfrm>
+            <a:off x="1048434" y="3643922"/>
+            <a:ext cx="750057" cy="0"/>
           </a:xfrm>
           <a:prstGeom prst="straightConnector1">
             <a:avLst/>
@@ -4308,8 +4308,8 @@
         </p:nvCxnSpPr>
         <p:spPr>
           <a:xfrm flipV="1">
-            <a:off x="2660332" y="2957332"/>
-            <a:ext cx="640660" cy="1"/>
+            <a:off x="2545637" y="3643921"/>
+            <a:ext cx="999246" cy="1"/>
           </a:xfrm>
           <a:prstGeom prst="straightConnector1">
             <a:avLst/>
@@ -4348,14 +4348,14 @@
           <p:cNvCxnSpPr>
             <a:cxnSpLocks/>
             <a:stCxn id="6" idx="3"/>
-            <a:endCxn id="19" idx="1"/>
+            <a:endCxn id="13" idx="1"/>
           </p:cNvCxnSpPr>
           <p:nvPr/>
         </p:nvCxnSpPr>
         <p:spPr>
-          <a:xfrm>
-            <a:off x="4093444" y="2913176"/>
-            <a:ext cx="855159" cy="46191"/>
+          <a:xfrm flipV="1">
+            <a:off x="4337335" y="2680309"/>
+            <a:ext cx="466956" cy="919456"/>
           </a:xfrm>
           <a:prstGeom prst="straightConnector1">
             <a:avLst/>
@@ -4400,8 +4400,8 @@
         </p:nvCxnSpPr>
         <p:spPr>
           <a:xfrm flipV="1">
-            <a:off x="5527333" y="1981385"/>
-            <a:ext cx="898729" cy="977982"/>
+            <a:off x="5551963" y="1463013"/>
+            <a:ext cx="938484" cy="1202709"/>
           </a:xfrm>
           <a:prstGeom prst="straightConnector1">
             <a:avLst/>
@@ -4445,9 +4445,9 @@
           <p:nvPr/>
         </p:nvCxnSpPr>
         <p:spPr>
-          <a:xfrm>
-            <a:off x="5527333" y="2959367"/>
-            <a:ext cx="756937" cy="239314"/>
+          <a:xfrm flipV="1">
+            <a:off x="5551963" y="2659166"/>
+            <a:ext cx="1042388" cy="6556"/>
           </a:xfrm>
           <a:prstGeom prst="straightConnector1">
             <a:avLst/>
@@ -4492,8 +4492,8 @@
         </p:nvCxnSpPr>
         <p:spPr>
           <a:xfrm>
-            <a:off x="5527333" y="2959367"/>
-            <a:ext cx="763817" cy="1425474"/>
+            <a:off x="5551963" y="2665722"/>
+            <a:ext cx="803572" cy="1200747"/>
           </a:xfrm>
           <a:prstGeom prst="straightConnector1">
             <a:avLst/>
@@ -4538,8 +4538,8 @@
         </p:nvCxnSpPr>
         <p:spPr>
           <a:xfrm>
-            <a:off x="7176617" y="3198681"/>
-            <a:ext cx="756937" cy="416891"/>
+            <a:off x="7486698" y="2659166"/>
+            <a:ext cx="511241" cy="438034"/>
           </a:xfrm>
           <a:prstGeom prst="straightConnector1">
             <a:avLst/>
@@ -4584,7 +4584,7 @@
         </p:nvCxnSpPr>
         <p:spPr>
           <a:xfrm flipV="1">
-            <a:off x="7183497" y="3615572"/>
+            <a:off x="7247882" y="3097200"/>
             <a:ext cx="750057" cy="769269"/>
           </a:xfrm>
           <a:prstGeom prst="straightConnector1">
@@ -4624,14 +4624,13 @@
           <p:cNvCxnSpPr>
             <a:cxnSpLocks/>
             <a:stCxn id="20" idx="3"/>
-            <a:endCxn id="34" idx="1"/>
           </p:cNvCxnSpPr>
           <p:nvPr/>
         </p:nvCxnSpPr>
         <p:spPr>
           <a:xfrm>
-            <a:off x="7034824" y="1981385"/>
-            <a:ext cx="2554390" cy="223076"/>
+            <a:off x="7099209" y="1463013"/>
+            <a:ext cx="2415876" cy="1166996"/>
           </a:xfrm>
           <a:prstGeom prst="straightConnector1">
             <a:avLst/>
@@ -4670,14 +4669,13 @@
           <p:cNvCxnSpPr>
             <a:cxnSpLocks/>
             <a:stCxn id="31" idx="3"/>
-            <a:endCxn id="34" idx="1"/>
           </p:cNvCxnSpPr>
           <p:nvPr/>
         </p:nvCxnSpPr>
         <p:spPr>
           <a:xfrm flipV="1">
-            <a:off x="9048360" y="2204461"/>
-            <a:ext cx="540854" cy="1411111"/>
+            <a:off x="9112745" y="2726135"/>
+            <a:ext cx="402340" cy="371065"/>
           </a:xfrm>
           <a:prstGeom prst="straightConnector1">
             <a:avLst/>
@@ -4704,6 +4702,994 @@
           </a:fontRef>
         </p:style>
       </p:cxnSp>
+      <p:sp>
+        <p:nvSpPr>
+          <p:cNvPr id="13" name="Left Brace 12">
+            <a:extLst>
+              <a:ext uri="{FF2B5EF4-FFF2-40B4-BE49-F238E27FC236}">
+                <a16:creationId xmlns:a16="http://schemas.microsoft.com/office/drawing/2014/main" id="{C485D743-4E91-794F-8A83-790252CC625E}"/>
+              </a:ext>
+            </a:extLst>
+          </p:cNvPr>
+          <p:cNvSpPr/>
+          <p:nvPr/>
+        </p:nvSpPr>
+        <p:spPr>
+          <a:xfrm>
+            <a:off x="4804291" y="1284785"/>
+            <a:ext cx="154804" cy="2791047"/>
+          </a:xfrm>
+          <a:prstGeom prst="leftBrace">
+            <a:avLst>
+              <a:gd name="adj1" fmla="val 195094"/>
+              <a:gd name="adj2" fmla="val 50000"/>
+            </a:avLst>
+          </a:prstGeom>
+          <a:ln w="19050">
+            <a:solidFill>
+              <a:schemeClr val="tx1"/>
+            </a:solidFill>
+          </a:ln>
+        </p:spPr>
+        <p:style>
+          <a:lnRef idx="1">
+            <a:schemeClr val="accent1"/>
+          </a:lnRef>
+          <a:fillRef idx="0">
+            <a:schemeClr val="accent1"/>
+          </a:fillRef>
+          <a:effectRef idx="0">
+            <a:schemeClr val="accent1"/>
+          </a:effectRef>
+          <a:fontRef idx="minor">
+            <a:schemeClr val="tx1"/>
+          </a:fontRef>
+        </p:style>
+        <p:txBody>
+          <a:bodyPr rtlCol="0" anchor="ctr"/>
+          <a:lstStyle/>
+          <a:p>
+            <a:pPr algn="ctr"/>
+            <a:endParaRPr lang="en-DK"/>
+          </a:p>
+        </p:txBody>
+      </p:sp>
+      <p:sp>
+        <p:nvSpPr>
+          <p:cNvPr id="39" name="Left Brace 38">
+            <a:extLst>
+              <a:ext uri="{FF2B5EF4-FFF2-40B4-BE49-F238E27FC236}">
+                <a16:creationId xmlns:a16="http://schemas.microsoft.com/office/drawing/2014/main" id="{2D554B43-61ED-8C40-BEE0-CB24A19F7ECA}"/>
+              </a:ext>
+            </a:extLst>
+          </p:cNvPr>
+          <p:cNvSpPr/>
+          <p:nvPr/>
+        </p:nvSpPr>
+        <p:spPr>
+          <a:xfrm rot="10800000">
+            <a:off x="9515085" y="1285399"/>
+            <a:ext cx="154804" cy="2791047"/>
+          </a:xfrm>
+          <a:prstGeom prst="leftBrace">
+            <a:avLst>
+              <a:gd name="adj1" fmla="val 195094"/>
+              <a:gd name="adj2" fmla="val 50000"/>
+            </a:avLst>
+          </a:prstGeom>
+          <a:ln w="19050">
+            <a:solidFill>
+              <a:schemeClr val="tx1"/>
+            </a:solidFill>
+          </a:ln>
+        </p:spPr>
+        <p:style>
+          <a:lnRef idx="1">
+            <a:schemeClr val="accent1"/>
+          </a:lnRef>
+          <a:fillRef idx="0">
+            <a:schemeClr val="accent1"/>
+          </a:fillRef>
+          <a:effectRef idx="0">
+            <a:schemeClr val="accent1"/>
+          </a:effectRef>
+          <a:fontRef idx="minor">
+            <a:schemeClr val="tx1"/>
+          </a:fontRef>
+        </p:style>
+        <p:txBody>
+          <a:bodyPr rtlCol="0" anchor="ctr"/>
+          <a:lstStyle/>
+          <a:p>
+            <a:pPr algn="ctr"/>
+            <a:endParaRPr lang="en-DK"/>
+          </a:p>
+        </p:txBody>
+      </p:sp>
+      <p:cxnSp>
+        <p:nvCxnSpPr>
+          <p:cNvPr id="50" name="Straight Arrow Connector 49">
+            <a:extLst>
+              <a:ext uri="{FF2B5EF4-FFF2-40B4-BE49-F238E27FC236}">
+                <a16:creationId xmlns:a16="http://schemas.microsoft.com/office/drawing/2014/main" id="{36AA959C-BF2E-3144-89CA-E875720D067A}"/>
+              </a:ext>
+            </a:extLst>
+          </p:cNvPr>
+          <p:cNvCxnSpPr>
+            <a:cxnSpLocks/>
+            <a:stCxn id="16" idx="3"/>
+          </p:cNvCxnSpPr>
+          <p:nvPr/>
+        </p:nvCxnSpPr>
+        <p:spPr>
+          <a:xfrm>
+            <a:off x="4337335" y="3818716"/>
+            <a:ext cx="730492" cy="733186"/>
+          </a:xfrm>
+          <a:prstGeom prst="straightConnector1">
+            <a:avLst/>
+          </a:prstGeom>
+          <a:ln w="38100">
+            <a:solidFill>
+              <a:schemeClr val="tx1"/>
+            </a:solidFill>
+            <a:tailEnd type="triangle"/>
+          </a:ln>
+        </p:spPr>
+        <p:style>
+          <a:lnRef idx="1">
+            <a:schemeClr val="accent1"/>
+          </a:lnRef>
+          <a:fillRef idx="0">
+            <a:schemeClr val="accent1"/>
+          </a:fillRef>
+          <a:effectRef idx="0">
+            <a:schemeClr val="accent1"/>
+          </a:effectRef>
+          <a:fontRef idx="minor">
+            <a:schemeClr val="tx1"/>
+          </a:fontRef>
+        </p:style>
+      </p:cxnSp>
+      <p:cxnSp>
+        <p:nvCxnSpPr>
+          <p:cNvPr id="53" name="Straight Arrow Connector 52">
+            <a:extLst>
+              <a:ext uri="{FF2B5EF4-FFF2-40B4-BE49-F238E27FC236}">
+                <a16:creationId xmlns:a16="http://schemas.microsoft.com/office/drawing/2014/main" id="{C0A312CE-EFF1-F64C-B89D-CDC7A43D0188}"/>
+              </a:ext>
+            </a:extLst>
+          </p:cNvPr>
+          <p:cNvCxnSpPr>
+            <a:cxnSpLocks/>
+            <a:stCxn id="18" idx="3"/>
+          </p:cNvCxnSpPr>
+          <p:nvPr/>
+        </p:nvCxnSpPr>
+        <p:spPr>
+          <a:xfrm>
+            <a:off x="4337335" y="4047315"/>
+            <a:ext cx="730492" cy="1173786"/>
+          </a:xfrm>
+          <a:prstGeom prst="straightConnector1">
+            <a:avLst/>
+          </a:prstGeom>
+          <a:ln w="38100">
+            <a:solidFill>
+              <a:schemeClr val="tx1"/>
+            </a:solidFill>
+            <a:tailEnd type="triangle"/>
+          </a:ln>
+        </p:spPr>
+        <p:style>
+          <a:lnRef idx="1">
+            <a:schemeClr val="accent1"/>
+          </a:lnRef>
+          <a:fillRef idx="0">
+            <a:schemeClr val="accent1"/>
+          </a:fillRef>
+          <a:effectRef idx="0">
+            <a:schemeClr val="accent1"/>
+          </a:effectRef>
+          <a:fontRef idx="minor">
+            <a:schemeClr val="tx1"/>
+          </a:fontRef>
+        </p:style>
+      </p:cxnSp>
+      <p:sp>
+        <p:nvSpPr>
+          <p:cNvPr id="56" name="Left Brace 55">
+            <a:extLst>
+              <a:ext uri="{FF2B5EF4-FFF2-40B4-BE49-F238E27FC236}">
+                <a16:creationId xmlns:a16="http://schemas.microsoft.com/office/drawing/2014/main" id="{44952D9B-73D7-D442-A039-307828C10768}"/>
+              </a:ext>
+            </a:extLst>
+          </p:cNvPr>
+          <p:cNvSpPr/>
+          <p:nvPr/>
+        </p:nvSpPr>
+        <p:spPr>
+          <a:xfrm>
+            <a:off x="5067827" y="4342537"/>
+            <a:ext cx="118016" cy="418729"/>
+          </a:xfrm>
+          <a:prstGeom prst="leftBrace">
+            <a:avLst>
+              <a:gd name="adj1" fmla="val 195094"/>
+              <a:gd name="adj2" fmla="val 50000"/>
+            </a:avLst>
+          </a:prstGeom>
+          <a:ln w="19050">
+            <a:solidFill>
+              <a:schemeClr val="tx1"/>
+            </a:solidFill>
+          </a:ln>
+        </p:spPr>
+        <p:style>
+          <a:lnRef idx="1">
+            <a:schemeClr val="accent1"/>
+          </a:lnRef>
+          <a:fillRef idx="0">
+            <a:schemeClr val="accent1"/>
+          </a:fillRef>
+          <a:effectRef idx="0">
+            <a:schemeClr val="accent1"/>
+          </a:effectRef>
+          <a:fontRef idx="minor">
+            <a:schemeClr val="tx1"/>
+          </a:fontRef>
+        </p:style>
+        <p:txBody>
+          <a:bodyPr rtlCol="0" anchor="ctr"/>
+          <a:lstStyle/>
+          <a:p>
+            <a:pPr algn="ctr"/>
+            <a:endParaRPr lang="en-DK"/>
+          </a:p>
+        </p:txBody>
+      </p:sp>
+      <p:sp>
+        <p:nvSpPr>
+          <p:cNvPr id="58" name="Left Brace 57">
+            <a:extLst>
+              <a:ext uri="{FF2B5EF4-FFF2-40B4-BE49-F238E27FC236}">
+                <a16:creationId xmlns:a16="http://schemas.microsoft.com/office/drawing/2014/main" id="{EB307696-6C7C-984F-9AD7-54A8280E2C07}"/>
+              </a:ext>
+            </a:extLst>
+          </p:cNvPr>
+          <p:cNvSpPr/>
+          <p:nvPr/>
+        </p:nvSpPr>
+        <p:spPr>
+          <a:xfrm>
+            <a:off x="5067827" y="5011736"/>
+            <a:ext cx="118016" cy="418729"/>
+          </a:xfrm>
+          <a:prstGeom prst="leftBrace">
+            <a:avLst>
+              <a:gd name="adj1" fmla="val 195094"/>
+              <a:gd name="adj2" fmla="val 50000"/>
+            </a:avLst>
+          </a:prstGeom>
+          <a:ln w="19050">
+            <a:solidFill>
+              <a:schemeClr val="tx1"/>
+            </a:solidFill>
+          </a:ln>
+        </p:spPr>
+        <p:style>
+          <a:lnRef idx="1">
+            <a:schemeClr val="accent1"/>
+          </a:lnRef>
+          <a:fillRef idx="0">
+            <a:schemeClr val="accent1"/>
+          </a:fillRef>
+          <a:effectRef idx="0">
+            <a:schemeClr val="accent1"/>
+          </a:effectRef>
+          <a:fontRef idx="minor">
+            <a:schemeClr val="tx1"/>
+          </a:fontRef>
+        </p:style>
+        <p:txBody>
+          <a:bodyPr rtlCol="0" anchor="ctr"/>
+          <a:lstStyle/>
+          <a:p>
+            <a:pPr algn="ctr"/>
+            <a:endParaRPr lang="en-DK"/>
+          </a:p>
+        </p:txBody>
+      </p:sp>
+      <p:sp>
+        <p:nvSpPr>
+          <p:cNvPr id="60" name="Left Brace 59">
+            <a:extLst>
+              <a:ext uri="{FF2B5EF4-FFF2-40B4-BE49-F238E27FC236}">
+                <a16:creationId xmlns:a16="http://schemas.microsoft.com/office/drawing/2014/main" id="{6B7222DB-0B54-3B4C-AB10-7225136051D1}"/>
+              </a:ext>
+            </a:extLst>
+          </p:cNvPr>
+          <p:cNvSpPr/>
+          <p:nvPr/>
+        </p:nvSpPr>
+        <p:spPr>
+          <a:xfrm rot="10800000">
+            <a:off x="5269305" y="4342536"/>
+            <a:ext cx="118016" cy="418729"/>
+          </a:xfrm>
+          <a:prstGeom prst="leftBrace">
+            <a:avLst>
+              <a:gd name="adj1" fmla="val 195094"/>
+              <a:gd name="adj2" fmla="val 50000"/>
+            </a:avLst>
+          </a:prstGeom>
+          <a:ln w="19050">
+            <a:solidFill>
+              <a:schemeClr val="tx1"/>
+            </a:solidFill>
+          </a:ln>
+        </p:spPr>
+        <p:style>
+          <a:lnRef idx="1">
+            <a:schemeClr val="accent1"/>
+          </a:lnRef>
+          <a:fillRef idx="0">
+            <a:schemeClr val="accent1"/>
+          </a:fillRef>
+          <a:effectRef idx="0">
+            <a:schemeClr val="accent1"/>
+          </a:effectRef>
+          <a:fontRef idx="minor">
+            <a:schemeClr val="tx1"/>
+          </a:fontRef>
+        </p:style>
+        <p:txBody>
+          <a:bodyPr rtlCol="0" anchor="ctr"/>
+          <a:lstStyle/>
+          <a:p>
+            <a:pPr algn="ctr"/>
+            <a:endParaRPr lang="en-DK"/>
+          </a:p>
+        </p:txBody>
+      </p:sp>
+      <p:sp>
+        <p:nvSpPr>
+          <p:cNvPr id="63" name="Left Brace 62">
+            <a:extLst>
+              <a:ext uri="{FF2B5EF4-FFF2-40B4-BE49-F238E27FC236}">
+                <a16:creationId xmlns:a16="http://schemas.microsoft.com/office/drawing/2014/main" id="{33C0F4E5-FAEF-4E46-AE06-C88ED9B782EF}"/>
+              </a:ext>
+            </a:extLst>
+          </p:cNvPr>
+          <p:cNvSpPr/>
+          <p:nvPr/>
+        </p:nvSpPr>
+        <p:spPr>
+          <a:xfrm rot="10800000">
+            <a:off x="5271749" y="5011735"/>
+            <a:ext cx="118016" cy="418729"/>
+          </a:xfrm>
+          <a:prstGeom prst="leftBrace">
+            <a:avLst>
+              <a:gd name="adj1" fmla="val 195094"/>
+              <a:gd name="adj2" fmla="val 50000"/>
+            </a:avLst>
+          </a:prstGeom>
+          <a:ln w="19050">
+            <a:solidFill>
+              <a:schemeClr val="tx1"/>
+            </a:solidFill>
+          </a:ln>
+        </p:spPr>
+        <p:style>
+          <a:lnRef idx="1">
+            <a:schemeClr val="accent1"/>
+          </a:lnRef>
+          <a:fillRef idx="0">
+            <a:schemeClr val="accent1"/>
+          </a:fillRef>
+          <a:effectRef idx="0">
+            <a:schemeClr val="accent1"/>
+          </a:effectRef>
+          <a:fontRef idx="minor">
+            <a:schemeClr val="tx1"/>
+          </a:fontRef>
+        </p:style>
+        <p:txBody>
+          <a:bodyPr rtlCol="0" anchor="ctr"/>
+          <a:lstStyle/>
+          <a:p>
+            <a:pPr algn="ctr"/>
+            <a:endParaRPr lang="en-DK"/>
+          </a:p>
+        </p:txBody>
+      </p:sp>
+      <p:cxnSp>
+        <p:nvCxnSpPr>
+          <p:cNvPr id="67" name="Straight Arrow Connector 66">
+            <a:extLst>
+              <a:ext uri="{FF2B5EF4-FFF2-40B4-BE49-F238E27FC236}">
+                <a16:creationId xmlns:a16="http://schemas.microsoft.com/office/drawing/2014/main" id="{FBCF25F3-4A1D-634D-951A-C31C96AC01BC}"/>
+              </a:ext>
+            </a:extLst>
+          </p:cNvPr>
+          <p:cNvCxnSpPr>
+            <a:cxnSpLocks/>
+            <a:stCxn id="60" idx="1"/>
+            <a:endCxn id="70" idx="1"/>
+          </p:cNvCxnSpPr>
+          <p:nvPr/>
+        </p:nvCxnSpPr>
+        <p:spPr>
+          <a:xfrm>
+            <a:off x="5387321" y="4551900"/>
+            <a:ext cx="4302523" cy="1"/>
+          </a:xfrm>
+          <a:prstGeom prst="straightConnector1">
+            <a:avLst/>
+          </a:prstGeom>
+          <a:ln w="38100">
+            <a:solidFill>
+              <a:schemeClr val="tx1"/>
+            </a:solidFill>
+            <a:tailEnd type="triangle"/>
+          </a:ln>
+        </p:spPr>
+        <p:style>
+          <a:lnRef idx="1">
+            <a:schemeClr val="accent1"/>
+          </a:lnRef>
+          <a:fillRef idx="0">
+            <a:schemeClr val="accent1"/>
+          </a:fillRef>
+          <a:effectRef idx="0">
+            <a:schemeClr val="accent1"/>
+          </a:effectRef>
+          <a:fontRef idx="minor">
+            <a:schemeClr val="tx1"/>
+          </a:fontRef>
+        </p:style>
+      </p:cxnSp>
+      <p:sp>
+        <p:nvSpPr>
+          <p:cNvPr id="70" name="Rectangle 69">
+            <a:extLst>
+              <a:ext uri="{FF2B5EF4-FFF2-40B4-BE49-F238E27FC236}">
+                <a16:creationId xmlns:a16="http://schemas.microsoft.com/office/drawing/2014/main" id="{E0294857-37BD-134B-B15C-2DCCB50FAC98}"/>
+              </a:ext>
+            </a:extLst>
+          </p:cNvPr>
+          <p:cNvSpPr/>
+          <p:nvPr/>
+        </p:nvSpPr>
+        <p:spPr>
+          <a:xfrm>
+            <a:off x="9689844" y="4437983"/>
+            <a:ext cx="632623" cy="227836"/>
+          </a:xfrm>
+          <a:prstGeom prst="rect">
+            <a:avLst/>
+          </a:prstGeom>
+        </p:spPr>
+        <p:style>
+          <a:lnRef idx="2">
+            <a:schemeClr val="accent1">
+              <a:shade val="50000"/>
+            </a:schemeClr>
+          </a:lnRef>
+          <a:fillRef idx="1">
+            <a:schemeClr val="accent1"/>
+          </a:fillRef>
+          <a:effectRef idx="0">
+            <a:schemeClr val="accent1"/>
+          </a:effectRef>
+          <a:fontRef idx="minor">
+            <a:schemeClr val="lt1"/>
+          </a:fontRef>
+        </p:style>
+        <p:txBody>
+          <a:bodyPr rtlCol="0" anchor="ctr"/>
+          <a:lstStyle/>
+          <a:p>
+            <a:pPr algn="ctr"/>
+            <a:r>
+              <a:rPr lang="en-DK" sz="1100" dirty="0"/>
+              <a:t>RESULT</a:t>
+            </a:r>
+          </a:p>
+        </p:txBody>
+      </p:sp>
+      <p:cxnSp>
+        <p:nvCxnSpPr>
+          <p:cNvPr id="72" name="Straight Arrow Connector 71">
+            <a:extLst>
+              <a:ext uri="{FF2B5EF4-FFF2-40B4-BE49-F238E27FC236}">
+                <a16:creationId xmlns:a16="http://schemas.microsoft.com/office/drawing/2014/main" id="{C44B972A-9C65-3545-AA83-6E74A0DE4B0B}"/>
+              </a:ext>
+            </a:extLst>
+          </p:cNvPr>
+          <p:cNvCxnSpPr>
+            <a:cxnSpLocks/>
+            <a:endCxn id="73" idx="1"/>
+          </p:cNvCxnSpPr>
+          <p:nvPr/>
+        </p:nvCxnSpPr>
+        <p:spPr>
+          <a:xfrm>
+            <a:off x="5387321" y="5222408"/>
+            <a:ext cx="4292554" cy="0"/>
+          </a:xfrm>
+          <a:prstGeom prst="straightConnector1">
+            <a:avLst/>
+          </a:prstGeom>
+          <a:ln w="38100">
+            <a:solidFill>
+              <a:schemeClr val="tx1"/>
+            </a:solidFill>
+            <a:tailEnd type="triangle"/>
+          </a:ln>
+        </p:spPr>
+        <p:style>
+          <a:lnRef idx="1">
+            <a:schemeClr val="accent1"/>
+          </a:lnRef>
+          <a:fillRef idx="0">
+            <a:schemeClr val="accent1"/>
+          </a:fillRef>
+          <a:effectRef idx="0">
+            <a:schemeClr val="accent1"/>
+          </a:effectRef>
+          <a:fontRef idx="minor">
+            <a:schemeClr val="tx1"/>
+          </a:fontRef>
+        </p:style>
+      </p:cxnSp>
+      <p:sp>
+        <p:nvSpPr>
+          <p:cNvPr id="73" name="Rectangle 72">
+            <a:extLst>
+              <a:ext uri="{FF2B5EF4-FFF2-40B4-BE49-F238E27FC236}">
+                <a16:creationId xmlns:a16="http://schemas.microsoft.com/office/drawing/2014/main" id="{A51AB085-ABE4-4B4A-8901-876C05DE05E8}"/>
+              </a:ext>
+            </a:extLst>
+          </p:cNvPr>
+          <p:cNvSpPr/>
+          <p:nvPr/>
+        </p:nvSpPr>
+        <p:spPr>
+          <a:xfrm>
+            <a:off x="9679875" y="5108490"/>
+            <a:ext cx="632623" cy="227836"/>
+          </a:xfrm>
+          <a:prstGeom prst="rect">
+            <a:avLst/>
+          </a:prstGeom>
+        </p:spPr>
+        <p:style>
+          <a:lnRef idx="2">
+            <a:schemeClr val="accent1">
+              <a:shade val="50000"/>
+            </a:schemeClr>
+          </a:lnRef>
+          <a:fillRef idx="1">
+            <a:schemeClr val="accent1"/>
+          </a:fillRef>
+          <a:effectRef idx="0">
+            <a:schemeClr val="accent1"/>
+          </a:effectRef>
+          <a:fontRef idx="minor">
+            <a:schemeClr val="lt1"/>
+          </a:fontRef>
+        </p:style>
+        <p:txBody>
+          <a:bodyPr rtlCol="0" anchor="ctr"/>
+          <a:lstStyle/>
+          <a:p>
+            <a:pPr algn="ctr"/>
+            <a:r>
+              <a:rPr lang="en-DK" sz="1100" dirty="0"/>
+              <a:t>RESULT</a:t>
+            </a:r>
+          </a:p>
+        </p:txBody>
+      </p:sp>
+      <p:cxnSp>
+        <p:nvCxnSpPr>
+          <p:cNvPr id="74" name="Straight Arrow Connector 73">
+            <a:extLst>
+              <a:ext uri="{FF2B5EF4-FFF2-40B4-BE49-F238E27FC236}">
+                <a16:creationId xmlns:a16="http://schemas.microsoft.com/office/drawing/2014/main" id="{2DAAA72B-C8F2-E84D-ACAF-02B89A81D011}"/>
+              </a:ext>
+            </a:extLst>
+          </p:cNvPr>
+          <p:cNvCxnSpPr>
+            <a:cxnSpLocks/>
+            <a:stCxn id="34" idx="3"/>
+            <a:endCxn id="77" idx="1"/>
+          </p:cNvCxnSpPr>
+          <p:nvPr/>
+        </p:nvCxnSpPr>
+        <p:spPr>
+          <a:xfrm>
+            <a:off x="10322467" y="2673015"/>
+            <a:ext cx="721980" cy="967868"/>
+          </a:xfrm>
+          <a:prstGeom prst="straightConnector1">
+            <a:avLst/>
+          </a:prstGeom>
+          <a:ln w="38100">
+            <a:solidFill>
+              <a:schemeClr val="tx1"/>
+            </a:solidFill>
+            <a:tailEnd type="triangle"/>
+          </a:ln>
+        </p:spPr>
+        <p:style>
+          <a:lnRef idx="1">
+            <a:schemeClr val="accent1"/>
+          </a:lnRef>
+          <a:fillRef idx="0">
+            <a:schemeClr val="accent1"/>
+          </a:fillRef>
+          <a:effectRef idx="0">
+            <a:schemeClr val="accent1"/>
+          </a:effectRef>
+          <a:fontRef idx="minor">
+            <a:schemeClr val="tx1"/>
+          </a:fontRef>
+        </p:style>
+      </p:cxnSp>
+      <p:sp>
+        <p:nvSpPr>
+          <p:cNvPr id="77" name="Rectangle 76">
+            <a:extLst>
+              <a:ext uri="{FF2B5EF4-FFF2-40B4-BE49-F238E27FC236}">
+                <a16:creationId xmlns:a16="http://schemas.microsoft.com/office/drawing/2014/main" id="{CC843323-DEFE-B441-A5A3-CD6D334EAB07}"/>
+              </a:ext>
+            </a:extLst>
+          </p:cNvPr>
+          <p:cNvSpPr/>
+          <p:nvPr/>
+        </p:nvSpPr>
+        <p:spPr>
+          <a:xfrm>
+            <a:off x="11044447" y="3429000"/>
+            <a:ext cx="632623" cy="423766"/>
+          </a:xfrm>
+          <a:prstGeom prst="rect">
+            <a:avLst/>
+          </a:prstGeom>
+        </p:spPr>
+        <p:style>
+          <a:lnRef idx="2">
+            <a:schemeClr val="accent1">
+              <a:shade val="50000"/>
+            </a:schemeClr>
+          </a:lnRef>
+          <a:fillRef idx="1">
+            <a:schemeClr val="accent1"/>
+          </a:fillRef>
+          <a:effectRef idx="0">
+            <a:schemeClr val="accent1"/>
+          </a:effectRef>
+          <a:fontRef idx="minor">
+            <a:schemeClr val="lt1"/>
+          </a:fontRef>
+        </p:style>
+        <p:txBody>
+          <a:bodyPr rtlCol="0" anchor="ctr"/>
+          <a:lstStyle/>
+          <a:p>
+            <a:pPr algn="ctr"/>
+            <a:r>
+              <a:rPr lang="en-DK" sz="1100" dirty="0"/>
+              <a:t>BIG RESULT</a:t>
+            </a:r>
+          </a:p>
+        </p:txBody>
+      </p:sp>
+      <p:cxnSp>
+        <p:nvCxnSpPr>
+          <p:cNvPr id="79" name="Straight Arrow Connector 78">
+            <a:extLst>
+              <a:ext uri="{FF2B5EF4-FFF2-40B4-BE49-F238E27FC236}">
+                <a16:creationId xmlns:a16="http://schemas.microsoft.com/office/drawing/2014/main" id="{134125D8-3EAA-5645-A5FA-F80F0D2A6E2A}"/>
+              </a:ext>
+            </a:extLst>
+          </p:cNvPr>
+          <p:cNvCxnSpPr>
+            <a:cxnSpLocks/>
+            <a:stCxn id="70" idx="3"/>
+            <a:endCxn id="77" idx="1"/>
+          </p:cNvCxnSpPr>
+          <p:nvPr/>
+        </p:nvCxnSpPr>
+        <p:spPr>
+          <a:xfrm flipV="1">
+            <a:off x="10322467" y="3640883"/>
+            <a:ext cx="721980" cy="911018"/>
+          </a:xfrm>
+          <a:prstGeom prst="straightConnector1">
+            <a:avLst/>
+          </a:prstGeom>
+          <a:ln w="38100">
+            <a:solidFill>
+              <a:schemeClr val="tx1"/>
+            </a:solidFill>
+            <a:tailEnd type="triangle"/>
+          </a:ln>
+        </p:spPr>
+        <p:style>
+          <a:lnRef idx="1">
+            <a:schemeClr val="accent1"/>
+          </a:lnRef>
+          <a:fillRef idx="0">
+            <a:schemeClr val="accent1"/>
+          </a:fillRef>
+          <a:effectRef idx="0">
+            <a:schemeClr val="accent1"/>
+          </a:effectRef>
+          <a:fontRef idx="minor">
+            <a:schemeClr val="tx1"/>
+          </a:fontRef>
+        </p:style>
+      </p:cxnSp>
+      <p:cxnSp>
+        <p:nvCxnSpPr>
+          <p:cNvPr id="82" name="Straight Arrow Connector 81">
+            <a:extLst>
+              <a:ext uri="{FF2B5EF4-FFF2-40B4-BE49-F238E27FC236}">
+                <a16:creationId xmlns:a16="http://schemas.microsoft.com/office/drawing/2014/main" id="{62C7DCA7-3A92-3D4A-8FFB-9DDC21A8B54C}"/>
+              </a:ext>
+            </a:extLst>
+          </p:cNvPr>
+          <p:cNvCxnSpPr>
+            <a:cxnSpLocks/>
+            <a:stCxn id="73" idx="3"/>
+            <a:endCxn id="77" idx="1"/>
+          </p:cNvCxnSpPr>
+          <p:nvPr/>
+        </p:nvCxnSpPr>
+        <p:spPr>
+          <a:xfrm flipV="1">
+            <a:off x="10312498" y="3640883"/>
+            <a:ext cx="731949" cy="1581525"/>
+          </a:xfrm>
+          <a:prstGeom prst="straightConnector1">
+            <a:avLst/>
+          </a:prstGeom>
+          <a:ln w="38100">
+            <a:solidFill>
+              <a:schemeClr val="tx1"/>
+            </a:solidFill>
+            <a:tailEnd type="triangle"/>
+          </a:ln>
+        </p:spPr>
+        <p:style>
+          <a:lnRef idx="1">
+            <a:schemeClr val="accent1"/>
+          </a:lnRef>
+          <a:fillRef idx="0">
+            <a:schemeClr val="accent1"/>
+          </a:fillRef>
+          <a:effectRef idx="0">
+            <a:schemeClr val="accent1"/>
+          </a:effectRef>
+          <a:fontRef idx="minor">
+            <a:schemeClr val="tx1"/>
+          </a:fontRef>
+        </p:style>
+      </p:cxnSp>
+      <p:sp>
+        <p:nvSpPr>
+          <p:cNvPr id="88" name="TextBox 87">
+            <a:extLst>
+              <a:ext uri="{FF2B5EF4-FFF2-40B4-BE49-F238E27FC236}">
+                <a16:creationId xmlns:a16="http://schemas.microsoft.com/office/drawing/2014/main" id="{336B8A14-CECD-1A4D-A44D-B6B94A32AD79}"/>
+              </a:ext>
+            </a:extLst>
+          </p:cNvPr>
+          <p:cNvSpPr txBox="1"/>
+          <p:nvPr/>
+        </p:nvSpPr>
+        <p:spPr>
+          <a:xfrm>
+            <a:off x="1062241" y="3380105"/>
+            <a:ext cx="722442" cy="276999"/>
+          </a:xfrm>
+          <a:prstGeom prst="rect">
+            <a:avLst/>
+          </a:prstGeom>
+          <a:noFill/>
+        </p:spPr>
+        <p:txBody>
+          <a:bodyPr wrap="none" rtlCol="0">
+            <a:spAutoFit/>
+          </a:bodyPr>
+          <a:lstStyle/>
+          <a:p>
+            <a:r>
+              <a:rPr lang="en-DK" sz="1200" dirty="0"/>
+              <a:t>maffilter</a:t>
+            </a:r>
+          </a:p>
+        </p:txBody>
+      </p:sp>
+      <p:sp>
+        <p:nvSpPr>
+          <p:cNvPr id="89" name="TextBox 88">
+            <a:extLst>
+              <a:ext uri="{FF2B5EF4-FFF2-40B4-BE49-F238E27FC236}">
+                <a16:creationId xmlns:a16="http://schemas.microsoft.com/office/drawing/2014/main" id="{562534BB-8E31-534F-9DDB-9702A9D8A9EF}"/>
+              </a:ext>
+            </a:extLst>
+          </p:cNvPr>
+          <p:cNvSpPr txBox="1"/>
+          <p:nvPr/>
+        </p:nvSpPr>
+        <p:spPr>
+          <a:xfrm>
+            <a:off x="2577021" y="3380105"/>
+            <a:ext cx="824265" cy="276999"/>
+          </a:xfrm>
+          <a:prstGeom prst="rect">
+            <a:avLst/>
+          </a:prstGeom>
+          <a:noFill/>
+        </p:spPr>
+        <p:txBody>
+          <a:bodyPr wrap="none" rtlCol="0">
+            <a:spAutoFit/>
+          </a:bodyPr>
+          <a:lstStyle/>
+          <a:p>
+            <a:r>
+              <a:rPr lang="en-DK" sz="1200" dirty="0"/>
+              <a:t>biopython</a:t>
+            </a:r>
+          </a:p>
+        </p:txBody>
+      </p:sp>
+      <p:sp>
+        <p:nvSpPr>
+          <p:cNvPr id="90" name="TextBox 89">
+            <a:extLst>
+              <a:ext uri="{FF2B5EF4-FFF2-40B4-BE49-F238E27FC236}">
+                <a16:creationId xmlns:a16="http://schemas.microsoft.com/office/drawing/2014/main" id="{8F846883-DEA6-344A-9DE3-1B624548D820}"/>
+              </a:ext>
+            </a:extLst>
+          </p:cNvPr>
+          <p:cNvSpPr txBox="1"/>
+          <p:nvPr/>
+        </p:nvSpPr>
+        <p:spPr>
+          <a:xfrm rot="18351192">
+            <a:off x="5467280" y="1903056"/>
+            <a:ext cx="824265" cy="276999"/>
+          </a:xfrm>
+          <a:prstGeom prst="rect">
+            <a:avLst/>
+          </a:prstGeom>
+          <a:noFill/>
+        </p:spPr>
+        <p:txBody>
+          <a:bodyPr wrap="none" rtlCol="0">
+            <a:spAutoFit/>
+          </a:bodyPr>
+          <a:lstStyle/>
+          <a:p>
+            <a:r>
+              <a:rPr lang="en-DK" sz="1200" dirty="0"/>
+              <a:t>biopython</a:t>
+            </a:r>
+          </a:p>
+        </p:txBody>
+      </p:sp>
+      <p:sp>
+        <p:nvSpPr>
+          <p:cNvPr id="91" name="TextBox 90">
+            <a:extLst>
+              <a:ext uri="{FF2B5EF4-FFF2-40B4-BE49-F238E27FC236}">
+                <a16:creationId xmlns:a16="http://schemas.microsoft.com/office/drawing/2014/main" id="{658F722B-C353-E24D-84C2-614E918453D5}"/>
+              </a:ext>
+            </a:extLst>
+          </p:cNvPr>
+          <p:cNvSpPr txBox="1"/>
+          <p:nvPr/>
+        </p:nvSpPr>
+        <p:spPr>
+          <a:xfrm rot="3310785">
+            <a:off x="5460340" y="3236003"/>
+            <a:ext cx="824265" cy="276999"/>
+          </a:xfrm>
+          <a:prstGeom prst="rect">
+            <a:avLst/>
+          </a:prstGeom>
+          <a:noFill/>
+        </p:spPr>
+        <p:txBody>
+          <a:bodyPr wrap="none" rtlCol="0">
+            <a:spAutoFit/>
+          </a:bodyPr>
+          <a:lstStyle/>
+          <a:p>
+            <a:r>
+              <a:rPr lang="en-DK" sz="1200" dirty="0"/>
+              <a:t>biopython</a:t>
+            </a:r>
+          </a:p>
+        </p:txBody>
+      </p:sp>
+      <p:sp>
+        <p:nvSpPr>
+          <p:cNvPr id="92" name="TextBox 91">
+            <a:extLst>
+              <a:ext uri="{FF2B5EF4-FFF2-40B4-BE49-F238E27FC236}">
+                <a16:creationId xmlns:a16="http://schemas.microsoft.com/office/drawing/2014/main" id="{78608E0F-3242-5E45-B4F6-A8F84266F7F2}"/>
+              </a:ext>
+            </a:extLst>
+          </p:cNvPr>
+          <p:cNvSpPr txBox="1"/>
+          <p:nvPr/>
+        </p:nvSpPr>
+        <p:spPr>
+          <a:xfrm>
+            <a:off x="5699636" y="2416801"/>
+            <a:ext cx="824265" cy="276999"/>
+          </a:xfrm>
+          <a:prstGeom prst="rect">
+            <a:avLst/>
+          </a:prstGeom>
+          <a:noFill/>
+        </p:spPr>
+        <p:txBody>
+          <a:bodyPr wrap="none" rtlCol="0">
+            <a:spAutoFit/>
+          </a:bodyPr>
+          <a:lstStyle/>
+          <a:p>
+            <a:r>
+              <a:rPr lang="en-DK" sz="1200" dirty="0"/>
+              <a:t>biopython</a:t>
+            </a:r>
+          </a:p>
+        </p:txBody>
+      </p:sp>
+      <p:sp>
+        <p:nvSpPr>
+          <p:cNvPr id="95" name="TextBox 94">
+            <a:extLst>
+              <a:ext uri="{FF2B5EF4-FFF2-40B4-BE49-F238E27FC236}">
+                <a16:creationId xmlns:a16="http://schemas.microsoft.com/office/drawing/2014/main" id="{3DA80AFC-7B69-B044-A80B-2CF4CE810745}"/>
+              </a:ext>
+            </a:extLst>
+          </p:cNvPr>
+          <p:cNvSpPr txBox="1"/>
+          <p:nvPr/>
+        </p:nvSpPr>
+        <p:spPr>
+          <a:xfrm rot="2493915">
+            <a:off x="7385787" y="2539970"/>
+            <a:ext cx="798937" cy="276999"/>
+          </a:xfrm>
+          <a:prstGeom prst="rect">
+            <a:avLst/>
+          </a:prstGeom>
+          <a:noFill/>
+        </p:spPr>
+        <p:txBody>
+          <a:bodyPr wrap="none" rtlCol="0">
+            <a:spAutoFit/>
+          </a:bodyPr>
+          <a:lstStyle/>
+          <a:p>
+            <a:r>
+              <a:rPr lang="en-DK" sz="1200" dirty="0"/>
+              <a:t>coalHMM</a:t>
+            </a:r>
+          </a:p>
+        </p:txBody>
+      </p:sp>
     </p:spTree>
     <p:extLst>
       <p:ext uri="{BB962C8B-B14F-4D97-AF65-F5344CB8AC3E}">
